--- a/2022_DeepLearning/02_seminar_221007/2차 연구실 딥러닝 세미나.pptx
+++ b/2022_DeepLearning/02_seminar_221007/2차 연구실 딥러닝 세미나.pptx
@@ -31280,23 +31280,7 @@
                   </a:outerShdw>
                 </a:effectLst>
               </a:rPr>
-              <a:t>입력 </a:t>
-            </a:r>
-            <a:r>
-              <a:rPr lang="en-US" altLang="ko-KR" sz="1400" dirty="0">
-                <a:ln w="0"/>
-                <a:solidFill>
-                  <a:schemeClr val="tx1"/>
-                </a:solidFill>
-                <a:effectLst>
-                  <a:outerShdw blurRad="38100" dist="19050" dir="2700000" algn="tl" rotWithShape="0">
-                    <a:schemeClr val="dk1">
-                      <a:alpha val="40000"/>
-                    </a:schemeClr>
-                  </a:outerShdw>
-                </a:effectLst>
-              </a:rPr>
-              <a:t>x2</a:t>
+              <a:t>입력</a:t>
             </a:r>
             <a:endParaRPr lang="ko-KR" altLang="en-US" sz="1400" dirty="0"/>
           </a:p>
@@ -40095,27 +40079,7 @@
                 <a:latin typeface="Microsoft YaHei (본문)"/>
                 <a:cs typeface="Arial" panose="020B0604020202020204" pitchFamily="34" charset="0"/>
               </a:rPr>
-              <a:t> (</a:t>
-            </a:r>
-            <a:r>
-              <a:rPr lang="en-US" altLang="ko-KR" sz="1400" dirty="0" err="1">
-                <a:solidFill>
-                  <a:srgbClr val="000000"/>
-                </a:solidFill>
-                <a:latin typeface="Microsoft YaHei (본문)"/>
-                <a:cs typeface="Arial" panose="020B0604020202020204" pitchFamily="34" charset="0"/>
-              </a:rPr>
-              <a:t>Stocahstic</a:t>
-            </a:r>
-            <a:r>
-              <a:rPr lang="en-US" altLang="ko-KR" sz="1400" dirty="0">
-                <a:solidFill>
-                  <a:srgbClr val="000000"/>
-                </a:solidFill>
-                <a:latin typeface="Microsoft YaHei (본문)"/>
-                <a:cs typeface="Arial" panose="020B0604020202020204" pitchFamily="34" charset="0"/>
-              </a:rPr>
-              <a:t> Gradient Descent, </a:t>
+              <a:t> (Stochastic Gradient Descent, </a:t>
             </a:r>
             <a:r>
               <a:rPr lang="en-US" altLang="ko-KR" sz="1400" b="1" dirty="0">
